--- a/project-files/group-project-sketches.pptx
+++ b/project-files/group-project-sketches.pptx
@@ -9,6 +9,8 @@
     <p:sldId id="257" r:id="rId3"/>
     <p:sldId id="258" r:id="rId4"/>
     <p:sldId id="259" r:id="rId5"/>
+    <p:sldId id="261" r:id="rId6"/>
+    <p:sldId id="262" r:id="rId7"/>
   </p:sldIdLst>
   <p:sldSz cx="12192000" cy="6858000"/>
   <p:notesSz cx="6858000" cy="9144000"/>
@@ -107,6 +109,11 @@
       </a:defRPr>
     </a:lvl9pPr>
   </p:defaultTextStyle>
+  <p:extLst>
+    <p:ext uri="{EFAFB233-063F-42B5-8137-9DF3F51BA10A}">
+      <p15:sldGuideLst xmlns:p15="http://schemas.microsoft.com/office/powerpoint/2012/main"/>
+    </p:ext>
+  </p:extLst>
 </p:presentation>
 </file>
 
@@ -1177,6 +1184,13 @@
         </dgm:presLayoutVars>
       </dgm:prSet>
       <dgm:spPr/>
+      <dgm:t>
+        <a:bodyPr/>
+        <a:lstStyle/>
+        <a:p>
+          <a:endParaRPr lang="en-US"/>
+        </a:p>
+      </dgm:t>
     </dgm:pt>
     <dgm:pt modelId="{B73E4CC3-D3A0-4D74-BCC4-749F6A649AB4}" type="pres">
       <dgm:prSet presAssocID="{393E2CA9-DE21-48E1-B389-2734D3A09E41}" presName="hierRoot1" presStyleCnt="0"/>
@@ -1197,6 +1211,13 @@
         </dgm:presLayoutVars>
       </dgm:prSet>
       <dgm:spPr/>
+      <dgm:t>
+        <a:bodyPr/>
+        <a:lstStyle/>
+        <a:p>
+          <a:endParaRPr lang="en-US"/>
+        </a:p>
+      </dgm:t>
     </dgm:pt>
     <dgm:pt modelId="{0656C523-655D-4AC0-9CF6-4FD9FCDCFD62}" type="pres">
       <dgm:prSet presAssocID="{393E2CA9-DE21-48E1-B389-2734D3A09E41}" presName="hierChild2" presStyleCnt="0"/>
@@ -1205,6 +1226,13 @@
     <dgm:pt modelId="{69A109E8-5DE7-4CBE-9E21-12A634EEE4B8}" type="pres">
       <dgm:prSet presAssocID="{F0BB6088-E650-44CC-9EA6-A909C983943D}" presName="Name10" presStyleLbl="parChTrans1D2" presStyleIdx="0" presStyleCnt="5"/>
       <dgm:spPr/>
+      <dgm:t>
+        <a:bodyPr/>
+        <a:lstStyle/>
+        <a:p>
+          <a:endParaRPr lang="en-US"/>
+        </a:p>
+      </dgm:t>
     </dgm:pt>
     <dgm:pt modelId="{5BF5BB08-2BFB-4B39-82B2-B68B4F99304A}" type="pres">
       <dgm:prSet presAssocID="{8BA29231-86AB-4378-B631-DF639BF828C3}" presName="hierRoot2" presStyleCnt="0"/>
@@ -1225,6 +1253,13 @@
         </dgm:presLayoutVars>
       </dgm:prSet>
       <dgm:spPr/>
+      <dgm:t>
+        <a:bodyPr/>
+        <a:lstStyle/>
+        <a:p>
+          <a:endParaRPr lang="en-US"/>
+        </a:p>
+      </dgm:t>
     </dgm:pt>
     <dgm:pt modelId="{EE8F85D2-D611-4CB9-8E05-CCCF2DCE535F}" type="pres">
       <dgm:prSet presAssocID="{8BA29231-86AB-4378-B631-DF639BF828C3}" presName="hierChild3" presStyleCnt="0"/>
@@ -1233,6 +1268,13 @@
     <dgm:pt modelId="{B0D64CB5-8607-4583-B22C-28C4F2B63660}" type="pres">
       <dgm:prSet presAssocID="{64BA4B93-23B0-4AB3-AC2B-37975ECF3128}" presName="Name17" presStyleLbl="parChTrans1D3" presStyleIdx="0" presStyleCnt="2"/>
       <dgm:spPr/>
+      <dgm:t>
+        <a:bodyPr/>
+        <a:lstStyle/>
+        <a:p>
+          <a:endParaRPr lang="en-US"/>
+        </a:p>
+      </dgm:t>
     </dgm:pt>
     <dgm:pt modelId="{C25824C8-D7E3-43EF-8296-B8000D77EF09}" type="pres">
       <dgm:prSet presAssocID="{4FD171AD-92F4-4344-BD63-700FF70EC435}" presName="hierRoot3" presStyleCnt="0"/>
@@ -1253,6 +1295,13 @@
         </dgm:presLayoutVars>
       </dgm:prSet>
       <dgm:spPr/>
+      <dgm:t>
+        <a:bodyPr/>
+        <a:lstStyle/>
+        <a:p>
+          <a:endParaRPr lang="en-US"/>
+        </a:p>
+      </dgm:t>
     </dgm:pt>
     <dgm:pt modelId="{659C8897-20C4-4B08-B790-41B3E4B05961}" type="pres">
       <dgm:prSet presAssocID="{4FD171AD-92F4-4344-BD63-700FF70EC435}" presName="hierChild4" presStyleCnt="0"/>
@@ -1261,6 +1310,13 @@
     <dgm:pt modelId="{E96FF4A8-9E61-4036-B7ED-F12FE218A4E2}" type="pres">
       <dgm:prSet presAssocID="{7F43A3C7-A3C9-4A8E-98EB-6E7B1871DDA4}" presName="Name17" presStyleLbl="parChTrans1D3" presStyleIdx="1" presStyleCnt="2"/>
       <dgm:spPr/>
+      <dgm:t>
+        <a:bodyPr/>
+        <a:lstStyle/>
+        <a:p>
+          <a:endParaRPr lang="en-US"/>
+        </a:p>
+      </dgm:t>
     </dgm:pt>
     <dgm:pt modelId="{C8FB3F33-F39B-45AC-9937-DEED421B7A70}" type="pres">
       <dgm:prSet presAssocID="{93005DCE-65C7-4638-95BA-ACC8B30C08B3}" presName="hierRoot3" presStyleCnt="0"/>
@@ -1281,6 +1337,13 @@
         </dgm:presLayoutVars>
       </dgm:prSet>
       <dgm:spPr/>
+      <dgm:t>
+        <a:bodyPr/>
+        <a:lstStyle/>
+        <a:p>
+          <a:endParaRPr lang="en-US"/>
+        </a:p>
+      </dgm:t>
     </dgm:pt>
     <dgm:pt modelId="{8CC83B48-EAF3-4030-B55C-7E4875475F6F}" type="pres">
       <dgm:prSet presAssocID="{93005DCE-65C7-4638-95BA-ACC8B30C08B3}" presName="hierChild4" presStyleCnt="0"/>
@@ -1289,6 +1352,13 @@
     <dgm:pt modelId="{733FFFD2-60C2-4D98-A99F-AC9B7AE5A6E6}" type="pres">
       <dgm:prSet presAssocID="{B1E583B3-5C60-4700-81F1-C1ABCA0D17BF}" presName="Name10" presStyleLbl="parChTrans1D2" presStyleIdx="1" presStyleCnt="5"/>
       <dgm:spPr/>
+      <dgm:t>
+        <a:bodyPr/>
+        <a:lstStyle/>
+        <a:p>
+          <a:endParaRPr lang="en-US"/>
+        </a:p>
+      </dgm:t>
     </dgm:pt>
     <dgm:pt modelId="{B5115891-820C-443C-83B9-B9A69004DE61}" type="pres">
       <dgm:prSet presAssocID="{2B4FBA5E-6BB2-4EBF-AB29-75C7E8AC66CE}" presName="hierRoot2" presStyleCnt="0"/>
@@ -1309,6 +1379,13 @@
         </dgm:presLayoutVars>
       </dgm:prSet>
       <dgm:spPr/>
+      <dgm:t>
+        <a:bodyPr/>
+        <a:lstStyle/>
+        <a:p>
+          <a:endParaRPr lang="en-US"/>
+        </a:p>
+      </dgm:t>
     </dgm:pt>
     <dgm:pt modelId="{9B22F8A9-B69F-4A09-8590-88F2D5C3CC07}" type="pres">
       <dgm:prSet presAssocID="{2B4FBA5E-6BB2-4EBF-AB29-75C7E8AC66CE}" presName="hierChild3" presStyleCnt="0"/>
@@ -1317,6 +1394,13 @@
     <dgm:pt modelId="{0DE86BB6-55E7-40D1-918B-DD989A2D417B}" type="pres">
       <dgm:prSet presAssocID="{FF3CF462-D44D-4F3B-90E9-64BA3E3C65AD}" presName="Name10" presStyleLbl="parChTrans1D2" presStyleIdx="2" presStyleCnt="5"/>
       <dgm:spPr/>
+      <dgm:t>
+        <a:bodyPr/>
+        <a:lstStyle/>
+        <a:p>
+          <a:endParaRPr lang="en-US"/>
+        </a:p>
+      </dgm:t>
     </dgm:pt>
     <dgm:pt modelId="{8E496870-1E62-49A8-B0B6-05E9078C8EF9}" type="pres">
       <dgm:prSet presAssocID="{A9CC872A-24DA-46F8-8D19-9F8DE85247B9}" presName="hierRoot2" presStyleCnt="0"/>
@@ -1337,6 +1421,13 @@
         </dgm:presLayoutVars>
       </dgm:prSet>
       <dgm:spPr/>
+      <dgm:t>
+        <a:bodyPr/>
+        <a:lstStyle/>
+        <a:p>
+          <a:endParaRPr lang="en-US"/>
+        </a:p>
+      </dgm:t>
     </dgm:pt>
     <dgm:pt modelId="{ADB80218-17B0-44BA-8312-F66F8447D585}" type="pres">
       <dgm:prSet presAssocID="{A9CC872A-24DA-46F8-8D19-9F8DE85247B9}" presName="hierChild3" presStyleCnt="0"/>
@@ -1345,6 +1436,13 @@
     <dgm:pt modelId="{E2BDF37D-A1FE-4009-9D04-B6BC565C0E63}" type="pres">
       <dgm:prSet presAssocID="{C88C7FA0-4585-49EE-87E6-A2EF0AA53BB1}" presName="Name10" presStyleLbl="parChTrans1D2" presStyleIdx="3" presStyleCnt="5"/>
       <dgm:spPr/>
+      <dgm:t>
+        <a:bodyPr/>
+        <a:lstStyle/>
+        <a:p>
+          <a:endParaRPr lang="en-US"/>
+        </a:p>
+      </dgm:t>
     </dgm:pt>
     <dgm:pt modelId="{46D1C20F-763F-4312-99B2-FCCA443C0CB9}" type="pres">
       <dgm:prSet presAssocID="{8E36880C-A731-4E89-B00E-EAA5D4570874}" presName="hierRoot2" presStyleCnt="0"/>
@@ -1365,6 +1463,13 @@
         </dgm:presLayoutVars>
       </dgm:prSet>
       <dgm:spPr/>
+      <dgm:t>
+        <a:bodyPr/>
+        <a:lstStyle/>
+        <a:p>
+          <a:endParaRPr lang="en-US"/>
+        </a:p>
+      </dgm:t>
     </dgm:pt>
     <dgm:pt modelId="{2ED5F698-E0B2-4894-AF80-A5F85B0B0A3E}" type="pres">
       <dgm:prSet presAssocID="{8E36880C-A731-4E89-B00E-EAA5D4570874}" presName="hierChild3" presStyleCnt="0"/>
@@ -1373,6 +1478,13 @@
     <dgm:pt modelId="{06796B27-AC60-43F4-9CCF-23B7A4787469}" type="pres">
       <dgm:prSet presAssocID="{68347976-0F18-487C-9EB0-E4A50AC31598}" presName="Name10" presStyleLbl="parChTrans1D2" presStyleIdx="4" presStyleCnt="5"/>
       <dgm:spPr/>
+      <dgm:t>
+        <a:bodyPr/>
+        <a:lstStyle/>
+        <a:p>
+          <a:endParaRPr lang="en-US"/>
+        </a:p>
+      </dgm:t>
     </dgm:pt>
     <dgm:pt modelId="{49357B23-6E58-4EB5-B8D7-2D490F4AF270}" type="pres">
       <dgm:prSet presAssocID="{BE7FFE15-6A92-44F2-AC6C-4B6B097BB5D1}" presName="hierRoot2" presStyleCnt="0"/>
@@ -1393,6 +1505,13 @@
         </dgm:presLayoutVars>
       </dgm:prSet>
       <dgm:spPr/>
+      <dgm:t>
+        <a:bodyPr/>
+        <a:lstStyle/>
+        <a:p>
+          <a:endParaRPr lang="en-US"/>
+        </a:p>
+      </dgm:t>
     </dgm:pt>
     <dgm:pt modelId="{E8658913-A7CC-4A57-AEFB-EE8DBF5E7A5B}" type="pres">
       <dgm:prSet presAssocID="{BE7FFE15-6A92-44F2-AC6C-4B6B097BB5D1}" presName="hierChild3" presStyleCnt="0"/>
@@ -1400,30 +1519,30 @@
     </dgm:pt>
   </dgm:ptLst>
   <dgm:cxnLst>
+    <dgm:cxn modelId="{7308E1A1-C117-4B90-A7C4-7A2B8F760E18}" srcId="{393E2CA9-DE21-48E1-B389-2734D3A09E41}" destId="{A9CC872A-24DA-46F8-8D19-9F8DE85247B9}" srcOrd="2" destOrd="0" parTransId="{FF3CF462-D44D-4F3B-90E9-64BA3E3C65AD}" sibTransId="{CBF911FD-0C9E-4597-82AD-8CB76F0D5249}"/>
+    <dgm:cxn modelId="{F94BF0DF-75B5-4FB7-B002-3306989334DF}" type="presOf" srcId="{93005DCE-65C7-4638-95BA-ACC8B30C08B3}" destId="{442A0C03-C987-4F0C-AC03-24CBC1452F9B}" srcOrd="0" destOrd="0" presId="urn:microsoft.com/office/officeart/2009/layout/CirclePictureHierarchy"/>
+    <dgm:cxn modelId="{E335D243-7560-4D64-849A-00FFF5391B93}" srcId="{393E2CA9-DE21-48E1-B389-2734D3A09E41}" destId="{2B4FBA5E-6BB2-4EBF-AB29-75C7E8AC66CE}" srcOrd="1" destOrd="0" parTransId="{B1E583B3-5C60-4700-81F1-C1ABCA0D17BF}" sibTransId="{45610498-6676-490D-BADA-C27C45D3B651}"/>
+    <dgm:cxn modelId="{582644C4-D941-4CA8-A269-C48FDB0FCD22}" type="presOf" srcId="{8BA29231-86AB-4378-B631-DF639BF828C3}" destId="{408271A7-565D-4B61-97FD-336E32E8FFA6}" srcOrd="0" destOrd="0" presId="urn:microsoft.com/office/officeart/2009/layout/CirclePictureHierarchy"/>
+    <dgm:cxn modelId="{04263161-7071-433B-9076-696466BB98A9}" type="presOf" srcId="{A9CC872A-24DA-46F8-8D19-9F8DE85247B9}" destId="{E48E98FD-2608-477E-85F6-058F986856F6}" srcOrd="0" destOrd="0" presId="urn:microsoft.com/office/officeart/2009/layout/CirclePictureHierarchy"/>
+    <dgm:cxn modelId="{2843BE4A-4848-4C2B-A0E3-EAE6D715AD3C}" type="presOf" srcId="{BE7FFE15-6A92-44F2-AC6C-4B6B097BB5D1}" destId="{31563A45-C41F-40D8-AE71-685B3AD0884B}" srcOrd="0" destOrd="0" presId="urn:microsoft.com/office/officeart/2009/layout/CirclePictureHierarchy"/>
+    <dgm:cxn modelId="{E3CE516E-33B4-4F34-AE6D-1998BD3EE167}" type="presOf" srcId="{51E2835D-7559-4EE5-BDB8-4922EA645C4F}" destId="{B919DA54-A588-4F78-92D7-8749922780AA}" srcOrd="0" destOrd="0" presId="urn:microsoft.com/office/officeart/2009/layout/CirclePictureHierarchy"/>
+    <dgm:cxn modelId="{547421A0-61C5-4A0C-92DA-DF269C10EA23}" type="presOf" srcId="{2B4FBA5E-6BB2-4EBF-AB29-75C7E8AC66CE}" destId="{1DCDCA82-401E-4BB1-8708-90CB64051699}" srcOrd="0" destOrd="0" presId="urn:microsoft.com/office/officeart/2009/layout/CirclePictureHierarchy"/>
+    <dgm:cxn modelId="{41744229-ABF7-4927-978B-68B4302D3B16}" srcId="{8BA29231-86AB-4378-B631-DF639BF828C3}" destId="{4FD171AD-92F4-4344-BD63-700FF70EC435}" srcOrd="0" destOrd="0" parTransId="{64BA4B93-23B0-4AB3-AC2B-37975ECF3128}" sibTransId="{1533C989-F4DE-4E19-A2DE-5BEC4D5EC403}"/>
+    <dgm:cxn modelId="{DED30E77-5F5D-4897-868E-6CE92D39A7AC}" type="presOf" srcId="{B1E583B3-5C60-4700-81F1-C1ABCA0D17BF}" destId="{733FFFD2-60C2-4D98-A99F-AC9B7AE5A6E6}" srcOrd="0" destOrd="0" presId="urn:microsoft.com/office/officeart/2009/layout/CirclePictureHierarchy"/>
     <dgm:cxn modelId="{EFF771C1-660E-4750-B363-1F38E06C5551}" type="presOf" srcId="{393E2CA9-DE21-48E1-B389-2734D3A09E41}" destId="{79024153-1514-4B08-B0FB-3D41AF2E400C}" srcOrd="0" destOrd="0" presId="urn:microsoft.com/office/officeart/2009/layout/CirclePictureHierarchy"/>
-    <dgm:cxn modelId="{2843BE4A-4848-4C2B-A0E3-EAE6D715AD3C}" type="presOf" srcId="{BE7FFE15-6A92-44F2-AC6C-4B6B097BB5D1}" destId="{31563A45-C41F-40D8-AE71-685B3AD0884B}" srcOrd="0" destOrd="0" presId="urn:microsoft.com/office/officeart/2009/layout/CirclePictureHierarchy"/>
-    <dgm:cxn modelId="{04263161-7071-433B-9076-696466BB98A9}" type="presOf" srcId="{A9CC872A-24DA-46F8-8D19-9F8DE85247B9}" destId="{E48E98FD-2608-477E-85F6-058F986856F6}" srcOrd="0" destOrd="0" presId="urn:microsoft.com/office/officeart/2009/layout/CirclePictureHierarchy"/>
+    <dgm:cxn modelId="{06B99BF5-51BD-4280-9643-7A9B0BE86125}" srcId="{8BA29231-86AB-4378-B631-DF639BF828C3}" destId="{93005DCE-65C7-4638-95BA-ACC8B30C08B3}" srcOrd="1" destOrd="0" parTransId="{7F43A3C7-A3C9-4A8E-98EB-6E7B1871DDA4}" sibTransId="{C7EEC052-33AD-42F8-B93A-ECDB3589C57E}"/>
+    <dgm:cxn modelId="{AABD10A6-89CC-42AC-992F-BF6E95F77302}" type="presOf" srcId="{7F43A3C7-A3C9-4A8E-98EB-6E7B1871DDA4}" destId="{E96FF4A8-9E61-4036-B7ED-F12FE218A4E2}" srcOrd="0" destOrd="0" presId="urn:microsoft.com/office/officeart/2009/layout/CirclePictureHierarchy"/>
+    <dgm:cxn modelId="{5340480B-7602-4246-BD6A-E2743681EAB9}" type="presOf" srcId="{64BA4B93-23B0-4AB3-AC2B-37975ECF3128}" destId="{B0D64CB5-8607-4583-B22C-28C4F2B63660}" srcOrd="0" destOrd="0" presId="urn:microsoft.com/office/officeart/2009/layout/CirclePictureHierarchy"/>
+    <dgm:cxn modelId="{8CBB2CC9-93F3-4AB9-93BF-2424BDAE764A}" type="presOf" srcId="{C88C7FA0-4585-49EE-87E6-A2EF0AA53BB1}" destId="{E2BDF37D-A1FE-4009-9D04-B6BC565C0E63}" srcOrd="0" destOrd="0" presId="urn:microsoft.com/office/officeart/2009/layout/CirclePictureHierarchy"/>
+    <dgm:cxn modelId="{358CB4E8-A150-4B7B-96BD-F2644662121C}" type="presOf" srcId="{68347976-0F18-487C-9EB0-E4A50AC31598}" destId="{06796B27-AC60-43F4-9CCF-23B7A4787469}" srcOrd="0" destOrd="0" presId="urn:microsoft.com/office/officeart/2009/layout/CirclePictureHierarchy"/>
+    <dgm:cxn modelId="{273D5183-ADA7-4263-8FD8-451713F95D22}" srcId="{393E2CA9-DE21-48E1-B389-2734D3A09E41}" destId="{8E36880C-A731-4E89-B00E-EAA5D4570874}" srcOrd="3" destOrd="0" parTransId="{C88C7FA0-4585-49EE-87E6-A2EF0AA53BB1}" sibTransId="{8DA60260-770B-48A6-A372-B66AC04EF8DD}"/>
+    <dgm:cxn modelId="{7D33C156-B967-481C-B2CE-B438B95D325F}" type="presOf" srcId="{FF3CF462-D44D-4F3B-90E9-64BA3E3C65AD}" destId="{0DE86BB6-55E7-40D1-918B-DD989A2D417B}" srcOrd="0" destOrd="0" presId="urn:microsoft.com/office/officeart/2009/layout/CirclePictureHierarchy"/>
+    <dgm:cxn modelId="{E45485D3-84AD-4718-B903-A0F37E7ADDD2}" type="presOf" srcId="{8E36880C-A731-4E89-B00E-EAA5D4570874}" destId="{94182731-9BFC-40D5-B434-3388E2DF270A}" srcOrd="0" destOrd="0" presId="urn:microsoft.com/office/officeart/2009/layout/CirclePictureHierarchy"/>
+    <dgm:cxn modelId="{B5009DB6-3025-478D-923C-A509CB3DA82A}" type="presOf" srcId="{F0BB6088-E650-44CC-9EA6-A909C983943D}" destId="{69A109E8-5DE7-4CBE-9E21-12A634EEE4B8}" srcOrd="0" destOrd="0" presId="urn:microsoft.com/office/officeart/2009/layout/CirclePictureHierarchy"/>
+    <dgm:cxn modelId="{E9BAB5A5-CD9E-4678-855A-1B4A8A4BCD18}" srcId="{51E2835D-7559-4EE5-BDB8-4922EA645C4F}" destId="{393E2CA9-DE21-48E1-B389-2734D3A09E41}" srcOrd="0" destOrd="0" parTransId="{EFD50E91-C8EA-4C6A-8717-82271DC1C044}" sibTransId="{120D078B-A73A-49D1-A7F8-A7B7F015D9E2}"/>
     <dgm:cxn modelId="{EBF6EFC4-7C1E-4DCA-8F95-8B82925EC711}" srcId="{393E2CA9-DE21-48E1-B389-2734D3A09E41}" destId="{8BA29231-86AB-4378-B631-DF639BF828C3}" srcOrd="0" destOrd="0" parTransId="{F0BB6088-E650-44CC-9EA6-A909C983943D}" sibTransId="{2FBB38FE-DCDE-45C1-865E-27638CA4F8EC}"/>
-    <dgm:cxn modelId="{F94BF0DF-75B5-4FB7-B002-3306989334DF}" type="presOf" srcId="{93005DCE-65C7-4638-95BA-ACC8B30C08B3}" destId="{442A0C03-C987-4F0C-AC03-24CBC1452F9B}" srcOrd="0" destOrd="0" presId="urn:microsoft.com/office/officeart/2009/layout/CirclePictureHierarchy"/>
-    <dgm:cxn modelId="{AABD10A6-89CC-42AC-992F-BF6E95F77302}" type="presOf" srcId="{7F43A3C7-A3C9-4A8E-98EB-6E7B1871DDA4}" destId="{E96FF4A8-9E61-4036-B7ED-F12FE218A4E2}" srcOrd="0" destOrd="0" presId="urn:microsoft.com/office/officeart/2009/layout/CirclePictureHierarchy"/>
-    <dgm:cxn modelId="{B5009DB6-3025-478D-923C-A509CB3DA82A}" type="presOf" srcId="{F0BB6088-E650-44CC-9EA6-A909C983943D}" destId="{69A109E8-5DE7-4CBE-9E21-12A634EEE4B8}" srcOrd="0" destOrd="0" presId="urn:microsoft.com/office/officeart/2009/layout/CirclePictureHierarchy"/>
-    <dgm:cxn modelId="{E45485D3-84AD-4718-B903-A0F37E7ADDD2}" type="presOf" srcId="{8E36880C-A731-4E89-B00E-EAA5D4570874}" destId="{94182731-9BFC-40D5-B434-3388E2DF270A}" srcOrd="0" destOrd="0" presId="urn:microsoft.com/office/officeart/2009/layout/CirclePictureHierarchy"/>
-    <dgm:cxn modelId="{582644C4-D941-4CA8-A269-C48FDB0FCD22}" type="presOf" srcId="{8BA29231-86AB-4378-B631-DF639BF828C3}" destId="{408271A7-565D-4B61-97FD-336E32E8FFA6}" srcOrd="0" destOrd="0" presId="urn:microsoft.com/office/officeart/2009/layout/CirclePictureHierarchy"/>
-    <dgm:cxn modelId="{8CBB2CC9-93F3-4AB9-93BF-2424BDAE764A}" type="presOf" srcId="{C88C7FA0-4585-49EE-87E6-A2EF0AA53BB1}" destId="{E2BDF37D-A1FE-4009-9D04-B6BC565C0E63}" srcOrd="0" destOrd="0" presId="urn:microsoft.com/office/officeart/2009/layout/CirclePictureHierarchy"/>
-    <dgm:cxn modelId="{7D33C156-B967-481C-B2CE-B438B95D325F}" type="presOf" srcId="{FF3CF462-D44D-4F3B-90E9-64BA3E3C65AD}" destId="{0DE86BB6-55E7-40D1-918B-DD989A2D417B}" srcOrd="0" destOrd="0" presId="urn:microsoft.com/office/officeart/2009/layout/CirclePictureHierarchy"/>
-    <dgm:cxn modelId="{5340480B-7602-4246-BD6A-E2743681EAB9}" type="presOf" srcId="{64BA4B93-23B0-4AB3-AC2B-37975ECF3128}" destId="{B0D64CB5-8607-4583-B22C-28C4F2B63660}" srcOrd="0" destOrd="0" presId="urn:microsoft.com/office/officeart/2009/layout/CirclePictureHierarchy"/>
-    <dgm:cxn modelId="{7308E1A1-C117-4B90-A7C4-7A2B8F760E18}" srcId="{393E2CA9-DE21-48E1-B389-2734D3A09E41}" destId="{A9CC872A-24DA-46F8-8D19-9F8DE85247B9}" srcOrd="2" destOrd="0" parTransId="{FF3CF462-D44D-4F3B-90E9-64BA3E3C65AD}" sibTransId="{CBF911FD-0C9E-4597-82AD-8CB76F0D5249}"/>
-    <dgm:cxn modelId="{547421A0-61C5-4A0C-92DA-DF269C10EA23}" type="presOf" srcId="{2B4FBA5E-6BB2-4EBF-AB29-75C7E8AC66CE}" destId="{1DCDCA82-401E-4BB1-8708-90CB64051699}" srcOrd="0" destOrd="0" presId="urn:microsoft.com/office/officeart/2009/layout/CirclePictureHierarchy"/>
-    <dgm:cxn modelId="{358CB4E8-A150-4B7B-96BD-F2644662121C}" type="presOf" srcId="{68347976-0F18-487C-9EB0-E4A50AC31598}" destId="{06796B27-AC60-43F4-9CCF-23B7A4787469}" srcOrd="0" destOrd="0" presId="urn:microsoft.com/office/officeart/2009/layout/CirclePictureHierarchy"/>
-    <dgm:cxn modelId="{06B99BF5-51BD-4280-9643-7A9B0BE86125}" srcId="{8BA29231-86AB-4378-B631-DF639BF828C3}" destId="{93005DCE-65C7-4638-95BA-ACC8B30C08B3}" srcOrd="1" destOrd="0" parTransId="{7F43A3C7-A3C9-4A8E-98EB-6E7B1871DDA4}" sibTransId="{C7EEC052-33AD-42F8-B93A-ECDB3589C57E}"/>
-    <dgm:cxn modelId="{273D5183-ADA7-4263-8FD8-451713F95D22}" srcId="{393E2CA9-DE21-48E1-B389-2734D3A09E41}" destId="{8E36880C-A731-4E89-B00E-EAA5D4570874}" srcOrd="3" destOrd="0" parTransId="{C88C7FA0-4585-49EE-87E6-A2EF0AA53BB1}" sibTransId="{8DA60260-770B-48A6-A372-B66AC04EF8DD}"/>
-    <dgm:cxn modelId="{E335D243-7560-4D64-849A-00FFF5391B93}" srcId="{393E2CA9-DE21-48E1-B389-2734D3A09E41}" destId="{2B4FBA5E-6BB2-4EBF-AB29-75C7E8AC66CE}" srcOrd="1" destOrd="0" parTransId="{B1E583B3-5C60-4700-81F1-C1ABCA0D17BF}" sibTransId="{45610498-6676-490D-BADA-C27C45D3B651}"/>
     <dgm:cxn modelId="{F802B847-E325-47FB-A529-DF595155324A}" type="presOf" srcId="{4FD171AD-92F4-4344-BD63-700FF70EC435}" destId="{E3FE302E-4494-4DDF-880C-0D1C06C928BB}" srcOrd="0" destOrd="0" presId="urn:microsoft.com/office/officeart/2009/layout/CirclePictureHierarchy"/>
     <dgm:cxn modelId="{992677BD-85FC-4E72-A45D-8A65BAB8A7F0}" srcId="{393E2CA9-DE21-48E1-B389-2734D3A09E41}" destId="{BE7FFE15-6A92-44F2-AC6C-4B6B097BB5D1}" srcOrd="4" destOrd="0" parTransId="{68347976-0F18-487C-9EB0-E4A50AC31598}" sibTransId="{43325426-6F4C-4764-A913-CF94E5D7E8BD}"/>
-    <dgm:cxn modelId="{E9BAB5A5-CD9E-4678-855A-1B4A8A4BCD18}" srcId="{51E2835D-7559-4EE5-BDB8-4922EA645C4F}" destId="{393E2CA9-DE21-48E1-B389-2734D3A09E41}" srcOrd="0" destOrd="0" parTransId="{EFD50E91-C8EA-4C6A-8717-82271DC1C044}" sibTransId="{120D078B-A73A-49D1-A7F8-A7B7F015D9E2}"/>
-    <dgm:cxn modelId="{DED30E77-5F5D-4897-868E-6CE92D39A7AC}" type="presOf" srcId="{B1E583B3-5C60-4700-81F1-C1ABCA0D17BF}" destId="{733FFFD2-60C2-4D98-A99F-AC9B7AE5A6E6}" srcOrd="0" destOrd="0" presId="urn:microsoft.com/office/officeart/2009/layout/CirclePictureHierarchy"/>
-    <dgm:cxn modelId="{41744229-ABF7-4927-978B-68B4302D3B16}" srcId="{8BA29231-86AB-4378-B631-DF639BF828C3}" destId="{4FD171AD-92F4-4344-BD63-700FF70EC435}" srcOrd="0" destOrd="0" parTransId="{64BA4B93-23B0-4AB3-AC2B-37975ECF3128}" sibTransId="{1533C989-F4DE-4E19-A2DE-5BEC4D5EC403}"/>
-    <dgm:cxn modelId="{E3CE516E-33B4-4F34-AE6D-1998BD3EE167}" type="presOf" srcId="{51E2835D-7559-4EE5-BDB8-4922EA645C4F}" destId="{B919DA54-A588-4F78-92D7-8749922780AA}" srcOrd="0" destOrd="0" presId="urn:microsoft.com/office/officeart/2009/layout/CirclePictureHierarchy"/>
     <dgm:cxn modelId="{64B014ED-F40C-4750-87F4-7644607D01E4}" type="presParOf" srcId="{B919DA54-A588-4F78-92D7-8749922780AA}" destId="{B73E4CC3-D3A0-4D74-BCC4-749F6A649AB4}" srcOrd="0" destOrd="0" presId="urn:microsoft.com/office/officeart/2009/layout/CirclePictureHierarchy"/>
     <dgm:cxn modelId="{83175AE8-E232-4287-95F1-9AA4A27E0E72}" type="presParOf" srcId="{B73E4CC3-D3A0-4D74-BCC4-749F6A649AB4}" destId="{8CAC9664-ACF9-43BB-A488-F9724FE66016}" srcOrd="0" destOrd="0" presId="urn:microsoft.com/office/officeart/2009/layout/CirclePictureHierarchy"/>
     <dgm:cxn modelId="{7213A537-6ACF-45A0-82F2-1391729A6631}" type="presParOf" srcId="{8CAC9664-ACF9-43BB-A488-F9724FE66016}" destId="{F4DE06BE-3A31-4EC5-80F3-3F941A4165C0}" srcOrd="0" destOrd="0" presId="urn:microsoft.com/office/officeart/2009/layout/CirclePictureHierarchy"/>
@@ -4527,7 +4646,7 @@
           <a:p>
             <a:fld id="{C30308E4-9E2D-4017-B3F5-BD0C38462F30}" type="datetimeFigureOut">
               <a:rPr lang="en-US" smtClean="0"/>
-              <a:t>11/19/2015</a:t>
+              <a:t>12/1/15</a:t>
             </a:fld>
             <a:endParaRPr lang="en-US"/>
           </a:p>
@@ -4697,7 +4816,7 @@
           <a:p>
             <a:fld id="{C30308E4-9E2D-4017-B3F5-BD0C38462F30}" type="datetimeFigureOut">
               <a:rPr lang="en-US" smtClean="0"/>
-              <a:t>11/19/2015</a:t>
+              <a:t>12/1/15</a:t>
             </a:fld>
             <a:endParaRPr lang="en-US"/>
           </a:p>
@@ -4877,7 +4996,7 @@
           <a:p>
             <a:fld id="{C30308E4-9E2D-4017-B3F5-BD0C38462F30}" type="datetimeFigureOut">
               <a:rPr lang="en-US" smtClean="0"/>
-              <a:t>11/19/2015</a:t>
+              <a:t>12/1/15</a:t>
             </a:fld>
             <a:endParaRPr lang="en-US"/>
           </a:p>
@@ -5047,7 +5166,7 @@
           <a:p>
             <a:fld id="{C30308E4-9E2D-4017-B3F5-BD0C38462F30}" type="datetimeFigureOut">
               <a:rPr lang="en-US" smtClean="0"/>
-              <a:t>11/19/2015</a:t>
+              <a:t>12/1/15</a:t>
             </a:fld>
             <a:endParaRPr lang="en-US"/>
           </a:p>
@@ -5293,7 +5412,7 @@
           <a:p>
             <a:fld id="{C30308E4-9E2D-4017-B3F5-BD0C38462F30}" type="datetimeFigureOut">
               <a:rPr lang="en-US" smtClean="0"/>
-              <a:t>11/19/2015</a:t>
+              <a:t>12/1/15</a:t>
             </a:fld>
             <a:endParaRPr lang="en-US"/>
           </a:p>
@@ -5525,7 +5644,7 @@
           <a:p>
             <a:fld id="{C30308E4-9E2D-4017-B3F5-BD0C38462F30}" type="datetimeFigureOut">
               <a:rPr lang="en-US" smtClean="0"/>
-              <a:t>11/19/2015</a:t>
+              <a:t>12/1/15</a:t>
             </a:fld>
             <a:endParaRPr lang="en-US"/>
           </a:p>
@@ -5892,7 +6011,7 @@
           <a:p>
             <a:fld id="{C30308E4-9E2D-4017-B3F5-BD0C38462F30}" type="datetimeFigureOut">
               <a:rPr lang="en-US" smtClean="0"/>
-              <a:t>11/19/2015</a:t>
+              <a:t>12/1/15</a:t>
             </a:fld>
             <a:endParaRPr lang="en-US"/>
           </a:p>
@@ -6010,7 +6129,7 @@
           <a:p>
             <a:fld id="{C30308E4-9E2D-4017-B3F5-BD0C38462F30}" type="datetimeFigureOut">
               <a:rPr lang="en-US" smtClean="0"/>
-              <a:t>11/19/2015</a:t>
+              <a:t>12/1/15</a:t>
             </a:fld>
             <a:endParaRPr lang="en-US"/>
           </a:p>
@@ -6105,7 +6224,7 @@
           <a:p>
             <a:fld id="{C30308E4-9E2D-4017-B3F5-BD0C38462F30}" type="datetimeFigureOut">
               <a:rPr lang="en-US" smtClean="0"/>
-              <a:t>11/19/2015</a:t>
+              <a:t>12/1/15</a:t>
             </a:fld>
             <a:endParaRPr lang="en-US"/>
           </a:p>
@@ -6382,7 +6501,7 @@
           <a:p>
             <a:fld id="{C30308E4-9E2D-4017-B3F5-BD0C38462F30}" type="datetimeFigureOut">
               <a:rPr lang="en-US" smtClean="0"/>
-              <a:t>11/19/2015</a:t>
+              <a:t>12/1/15</a:t>
             </a:fld>
             <a:endParaRPr lang="en-US"/>
           </a:p>
@@ -6635,7 +6754,7 @@
           <a:p>
             <a:fld id="{C30308E4-9E2D-4017-B3F5-BD0C38462F30}" type="datetimeFigureOut">
               <a:rPr lang="en-US" smtClean="0"/>
-              <a:t>11/19/2015</a:t>
+              <a:t>12/1/15</a:t>
             </a:fld>
             <a:endParaRPr lang="en-US"/>
           </a:p>
@@ -6848,7 +6967,7 @@
           <a:p>
             <a:fld id="{C30308E4-9E2D-4017-B3F5-BD0C38462F30}" type="datetimeFigureOut">
               <a:rPr lang="en-US" smtClean="0"/>
-              <a:t>11/19/2015</a:t>
+              <a:t>12/1/15</a:t>
             </a:fld>
             <a:endParaRPr lang="en-US"/>
           </a:p>
@@ -8373,6 +8492,568 @@
 </p:sld>
 </file>
 
+<file path=ppt/slides/slide5.xml><?xml version="1.0" encoding="utf-8"?>
+<p:sld xmlns:a="http://schemas.openxmlformats.org/drawingml/2006/main" xmlns:r="http://schemas.openxmlformats.org/officeDocument/2006/relationships" xmlns:p="http://schemas.openxmlformats.org/presentationml/2006/main">
+  <p:cSld>
+    <p:spTree>
+      <p:nvGrpSpPr>
+        <p:cNvPr id="1" name=""/>
+        <p:cNvGrpSpPr/>
+        <p:nvPr/>
+      </p:nvGrpSpPr>
+      <p:grpSpPr>
+        <a:xfrm>
+          <a:off x="0" y="0"/>
+          <a:ext cx="0" cy="0"/>
+          <a:chOff x="0" y="0"/>
+          <a:chExt cx="0" cy="0"/>
+        </a:xfrm>
+      </p:grpSpPr>
+      <p:sp>
+        <p:nvSpPr>
+          <p:cNvPr id="4" name="Rectangle 3"/>
+          <p:cNvSpPr/>
+          <p:nvPr/>
+        </p:nvSpPr>
+        <p:spPr>
+          <a:xfrm>
+            <a:off x="1134684" y="665019"/>
+            <a:ext cx="5357556" cy="2522914"/>
+          </a:xfrm>
+          <a:prstGeom prst="rect">
+            <a:avLst/>
+          </a:prstGeom>
+        </p:spPr>
+        <p:style>
+          <a:lnRef idx="2">
+            <a:schemeClr val="accent1">
+              <a:shade val="50000"/>
+            </a:schemeClr>
+          </a:lnRef>
+          <a:fillRef idx="1">
+            <a:schemeClr val="accent1"/>
+          </a:fillRef>
+          <a:effectRef idx="0">
+            <a:schemeClr val="accent1"/>
+          </a:effectRef>
+          <a:fontRef idx="minor">
+            <a:schemeClr val="lt1"/>
+          </a:fontRef>
+        </p:style>
+        <p:txBody>
+          <a:bodyPr rtlCol="0" anchor="ctr"/>
+          <a:lstStyle/>
+          <a:p>
+            <a:pPr algn="ctr"/>
+            <a:r>
+              <a:rPr lang="en-US" dirty="0" smtClean="0"/>
+              <a:t>Image + content + links to guide user</a:t>
+            </a:r>
+          </a:p>
+          <a:p>
+            <a:pPr algn="ctr"/>
+            <a:r>
+              <a:rPr lang="en-US" dirty="0" smtClean="0"/>
+              <a:t>Swipe left to view more content</a:t>
+            </a:r>
+          </a:p>
+        </p:txBody>
+      </p:sp>
+      <p:sp>
+        <p:nvSpPr>
+          <p:cNvPr id="8" name="Rectangle 7"/>
+          <p:cNvSpPr/>
+          <p:nvPr/>
+        </p:nvSpPr>
+        <p:spPr>
+          <a:xfrm>
+            <a:off x="1134684" y="3559829"/>
+            <a:ext cx="5357556" cy="448888"/>
+          </a:xfrm>
+          <a:prstGeom prst="rect">
+            <a:avLst/>
+          </a:prstGeom>
+        </p:spPr>
+        <p:style>
+          <a:lnRef idx="2">
+            <a:schemeClr val="accent1">
+              <a:shade val="50000"/>
+            </a:schemeClr>
+          </a:lnRef>
+          <a:fillRef idx="1">
+            <a:schemeClr val="accent1"/>
+          </a:fillRef>
+          <a:effectRef idx="0">
+            <a:schemeClr val="accent1"/>
+          </a:effectRef>
+          <a:fontRef idx="minor">
+            <a:schemeClr val="lt1"/>
+          </a:fontRef>
+        </p:style>
+        <p:txBody>
+          <a:bodyPr rtlCol="0" anchor="ctr"/>
+          <a:lstStyle/>
+          <a:p>
+            <a:pPr algn="ctr"/>
+            <a:r>
+              <a:rPr lang="en-US" dirty="0" smtClean="0"/>
+              <a:t>Footer (Persistent)</a:t>
+            </a:r>
+          </a:p>
+        </p:txBody>
+      </p:sp>
+      <p:sp>
+        <p:nvSpPr>
+          <p:cNvPr id="9" name="Rectangle 8"/>
+          <p:cNvSpPr/>
+          <p:nvPr/>
+        </p:nvSpPr>
+        <p:spPr>
+          <a:xfrm>
+            <a:off x="1134684" y="74815"/>
+            <a:ext cx="5357556" cy="565265"/>
+          </a:xfrm>
+          <a:prstGeom prst="rect">
+            <a:avLst/>
+          </a:prstGeom>
+        </p:spPr>
+        <p:style>
+          <a:lnRef idx="2">
+            <a:schemeClr val="accent1">
+              <a:shade val="50000"/>
+            </a:schemeClr>
+          </a:lnRef>
+          <a:fillRef idx="1">
+            <a:schemeClr val="accent1"/>
+          </a:fillRef>
+          <a:effectRef idx="0">
+            <a:schemeClr val="accent1"/>
+          </a:effectRef>
+          <a:fontRef idx="minor">
+            <a:schemeClr val="lt1"/>
+          </a:fontRef>
+        </p:style>
+        <p:txBody>
+          <a:bodyPr rtlCol="0" anchor="ctr"/>
+          <a:lstStyle/>
+          <a:p>
+            <a:pPr algn="ctr"/>
+            <a:r>
+              <a:rPr lang="en-US" dirty="0" smtClean="0"/>
+              <a:t>Heading</a:t>
+            </a:r>
+          </a:p>
+        </p:txBody>
+      </p:sp>
+      <p:sp>
+        <p:nvSpPr>
+          <p:cNvPr id="10" name="Rectangle 9"/>
+          <p:cNvSpPr/>
+          <p:nvPr/>
+        </p:nvSpPr>
+        <p:spPr>
+          <a:xfrm>
+            <a:off x="1134684" y="49877"/>
+            <a:ext cx="635927" cy="548640"/>
+          </a:xfrm>
+          <a:prstGeom prst="rect">
+            <a:avLst/>
+          </a:prstGeom>
+        </p:spPr>
+        <p:style>
+          <a:lnRef idx="2">
+            <a:schemeClr val="accent1">
+              <a:shade val="50000"/>
+            </a:schemeClr>
+          </a:lnRef>
+          <a:fillRef idx="1">
+            <a:schemeClr val="accent1"/>
+          </a:fillRef>
+          <a:effectRef idx="0">
+            <a:schemeClr val="accent1"/>
+          </a:effectRef>
+          <a:fontRef idx="minor">
+            <a:schemeClr val="lt1"/>
+          </a:fontRef>
+        </p:style>
+        <p:txBody>
+          <a:bodyPr rtlCol="0" anchor="ctr"/>
+          <a:lstStyle/>
+          <a:p>
+            <a:pPr algn="ctr"/>
+            <a:r>
+              <a:rPr lang="en-US" dirty="0" smtClean="0"/>
+              <a:t>Logo</a:t>
+            </a:r>
+          </a:p>
+        </p:txBody>
+      </p:sp>
+      <p:sp>
+        <p:nvSpPr>
+          <p:cNvPr id="6" name="Rectangle 5"/>
+          <p:cNvSpPr/>
+          <p:nvPr/>
+        </p:nvSpPr>
+        <p:spPr>
+          <a:xfrm>
+            <a:off x="5536540" y="72571"/>
+            <a:ext cx="955700" cy="708956"/>
+          </a:xfrm>
+          <a:prstGeom prst="rect">
+            <a:avLst/>
+          </a:prstGeom>
+        </p:spPr>
+        <p:style>
+          <a:lnRef idx="2">
+            <a:schemeClr val="accent1">
+              <a:shade val="50000"/>
+            </a:schemeClr>
+          </a:lnRef>
+          <a:fillRef idx="1">
+            <a:schemeClr val="accent1"/>
+          </a:fillRef>
+          <a:effectRef idx="0">
+            <a:schemeClr val="accent1"/>
+          </a:effectRef>
+          <a:fontRef idx="minor">
+            <a:schemeClr val="lt1"/>
+          </a:fontRef>
+        </p:style>
+        <p:txBody>
+          <a:bodyPr rtlCol="0" anchor="ctr"/>
+          <a:lstStyle/>
+          <a:p>
+            <a:pPr algn="ctr"/>
+            <a:r>
+              <a:rPr lang="en-US" dirty="0" err="1" smtClean="0"/>
+              <a:t>Nav</a:t>
+            </a:r>
+            <a:r>
+              <a:rPr lang="en-US" dirty="0" smtClean="0"/>
+              <a:t> button</a:t>
+            </a:r>
+          </a:p>
+          <a:p>
+            <a:pPr algn="ctr"/>
+            <a:endParaRPr lang="en-US" dirty="0" smtClean="0"/>
+          </a:p>
+        </p:txBody>
+      </p:sp>
+    </p:spTree>
+    <p:extLst>
+      <p:ext uri="{BB962C8B-B14F-4D97-AF65-F5344CB8AC3E}">
+        <p14:creationId xmlns:p14="http://schemas.microsoft.com/office/powerpoint/2010/main" val="1641963927"/>
+      </p:ext>
+    </p:extLst>
+  </p:cSld>
+  <p:clrMapOvr>
+    <a:masterClrMapping/>
+  </p:clrMapOvr>
+</p:sld>
+</file>
+
+<file path=ppt/slides/slide6.xml><?xml version="1.0" encoding="utf-8"?>
+<p:sld xmlns:a="http://schemas.openxmlformats.org/drawingml/2006/main" xmlns:r="http://schemas.openxmlformats.org/officeDocument/2006/relationships" xmlns:p="http://schemas.openxmlformats.org/presentationml/2006/main">
+  <p:cSld>
+    <p:spTree>
+      <p:nvGrpSpPr>
+        <p:cNvPr id="1" name=""/>
+        <p:cNvGrpSpPr/>
+        <p:nvPr/>
+      </p:nvGrpSpPr>
+      <p:grpSpPr>
+        <a:xfrm>
+          <a:off x="0" y="0"/>
+          <a:ext cx="0" cy="0"/>
+          <a:chOff x="0" y="0"/>
+          <a:chExt cx="0" cy="0"/>
+        </a:xfrm>
+      </p:grpSpPr>
+      <p:sp>
+        <p:nvSpPr>
+          <p:cNvPr id="4" name="Rectangle 3"/>
+          <p:cNvSpPr/>
+          <p:nvPr/>
+        </p:nvSpPr>
+        <p:spPr>
+          <a:xfrm>
+            <a:off x="1134684" y="665019"/>
+            <a:ext cx="5357556" cy="2522914"/>
+          </a:xfrm>
+          <a:prstGeom prst="rect">
+            <a:avLst/>
+          </a:prstGeom>
+        </p:spPr>
+        <p:style>
+          <a:lnRef idx="2">
+            <a:schemeClr val="accent1">
+              <a:shade val="50000"/>
+            </a:schemeClr>
+          </a:lnRef>
+          <a:fillRef idx="1">
+            <a:schemeClr val="accent1"/>
+          </a:fillRef>
+          <a:effectRef idx="0">
+            <a:schemeClr val="accent1"/>
+          </a:effectRef>
+          <a:fontRef idx="minor">
+            <a:schemeClr val="lt1"/>
+          </a:fontRef>
+        </p:style>
+        <p:txBody>
+          <a:bodyPr rtlCol="0" anchor="ctr"/>
+          <a:lstStyle/>
+          <a:p>
+            <a:pPr algn="ctr"/>
+            <a:r>
+              <a:rPr lang="en-US" dirty="0" smtClean="0"/>
+              <a:t>Image + content + links to guide user</a:t>
+            </a:r>
+            <a:endParaRPr lang="en-US" dirty="0" smtClean="0"/>
+          </a:p>
+        </p:txBody>
+      </p:sp>
+      <p:sp>
+        <p:nvSpPr>
+          <p:cNvPr id="5" name="Rectangle 4"/>
+          <p:cNvSpPr/>
+          <p:nvPr/>
+        </p:nvSpPr>
+        <p:spPr>
+          <a:xfrm>
+            <a:off x="1134684" y="3338286"/>
+            <a:ext cx="5357555" cy="1712685"/>
+          </a:xfrm>
+          <a:prstGeom prst="rect">
+            <a:avLst/>
+          </a:prstGeom>
+        </p:spPr>
+        <p:style>
+          <a:lnRef idx="2">
+            <a:schemeClr val="accent1">
+              <a:shade val="50000"/>
+            </a:schemeClr>
+          </a:lnRef>
+          <a:fillRef idx="1">
+            <a:schemeClr val="accent1"/>
+          </a:fillRef>
+          <a:effectRef idx="0">
+            <a:schemeClr val="accent1"/>
+          </a:effectRef>
+          <a:fontRef idx="minor">
+            <a:schemeClr val="lt1"/>
+          </a:fontRef>
+        </p:style>
+        <p:txBody>
+          <a:bodyPr rtlCol="0" anchor="ctr"/>
+          <a:lstStyle/>
+          <a:p>
+            <a:pPr algn="ctr"/>
+            <a:r>
+              <a:rPr lang="en-US" dirty="0" err="1" smtClean="0"/>
+              <a:t>Img</a:t>
+            </a:r>
+            <a:r>
+              <a:rPr lang="en-US" dirty="0" smtClean="0"/>
+              <a:t> + content + links to guide user</a:t>
+            </a:r>
+            <a:endParaRPr lang="en-US" dirty="0" smtClean="0"/>
+          </a:p>
+        </p:txBody>
+      </p:sp>
+      <p:sp>
+        <p:nvSpPr>
+          <p:cNvPr id="8" name="Rectangle 7"/>
+          <p:cNvSpPr/>
+          <p:nvPr/>
+        </p:nvSpPr>
+        <p:spPr>
+          <a:xfrm>
+            <a:off x="1134684" y="5345086"/>
+            <a:ext cx="5357556" cy="448888"/>
+          </a:xfrm>
+          <a:prstGeom prst="rect">
+            <a:avLst/>
+          </a:prstGeom>
+        </p:spPr>
+        <p:style>
+          <a:lnRef idx="2">
+            <a:schemeClr val="accent1">
+              <a:shade val="50000"/>
+            </a:schemeClr>
+          </a:lnRef>
+          <a:fillRef idx="1">
+            <a:schemeClr val="accent1"/>
+          </a:fillRef>
+          <a:effectRef idx="0">
+            <a:schemeClr val="accent1"/>
+          </a:effectRef>
+          <a:fontRef idx="minor">
+            <a:schemeClr val="lt1"/>
+          </a:fontRef>
+        </p:style>
+        <p:txBody>
+          <a:bodyPr rtlCol="0" anchor="ctr"/>
+          <a:lstStyle/>
+          <a:p>
+            <a:pPr algn="ctr"/>
+            <a:r>
+              <a:rPr lang="en-US" dirty="0" smtClean="0"/>
+              <a:t>Footer (Persistent)</a:t>
+            </a:r>
+          </a:p>
+        </p:txBody>
+      </p:sp>
+      <p:sp>
+        <p:nvSpPr>
+          <p:cNvPr id="9" name="Rectangle 8"/>
+          <p:cNvSpPr/>
+          <p:nvPr/>
+        </p:nvSpPr>
+        <p:spPr>
+          <a:xfrm>
+            <a:off x="1134684" y="74815"/>
+            <a:ext cx="5357556" cy="565265"/>
+          </a:xfrm>
+          <a:prstGeom prst="rect">
+            <a:avLst/>
+          </a:prstGeom>
+        </p:spPr>
+        <p:style>
+          <a:lnRef idx="2">
+            <a:schemeClr val="accent1">
+              <a:shade val="50000"/>
+            </a:schemeClr>
+          </a:lnRef>
+          <a:fillRef idx="1">
+            <a:schemeClr val="accent1"/>
+          </a:fillRef>
+          <a:effectRef idx="0">
+            <a:schemeClr val="accent1"/>
+          </a:effectRef>
+          <a:fontRef idx="minor">
+            <a:schemeClr val="lt1"/>
+          </a:fontRef>
+        </p:style>
+        <p:txBody>
+          <a:bodyPr rtlCol="0" anchor="ctr"/>
+          <a:lstStyle/>
+          <a:p>
+            <a:pPr algn="ctr"/>
+            <a:r>
+              <a:rPr lang="en-US" dirty="0" smtClean="0"/>
+              <a:t>Heading</a:t>
+            </a:r>
+          </a:p>
+        </p:txBody>
+      </p:sp>
+      <p:sp>
+        <p:nvSpPr>
+          <p:cNvPr id="10" name="Rectangle 9"/>
+          <p:cNvSpPr/>
+          <p:nvPr/>
+        </p:nvSpPr>
+        <p:spPr>
+          <a:xfrm>
+            <a:off x="1134684" y="49877"/>
+            <a:ext cx="635927" cy="548640"/>
+          </a:xfrm>
+          <a:prstGeom prst="rect">
+            <a:avLst/>
+          </a:prstGeom>
+        </p:spPr>
+        <p:style>
+          <a:lnRef idx="2">
+            <a:schemeClr val="accent1">
+              <a:shade val="50000"/>
+            </a:schemeClr>
+          </a:lnRef>
+          <a:fillRef idx="1">
+            <a:schemeClr val="accent1"/>
+          </a:fillRef>
+          <a:effectRef idx="0">
+            <a:schemeClr val="accent1"/>
+          </a:effectRef>
+          <a:fontRef idx="minor">
+            <a:schemeClr val="lt1"/>
+          </a:fontRef>
+        </p:style>
+        <p:txBody>
+          <a:bodyPr rtlCol="0" anchor="ctr"/>
+          <a:lstStyle/>
+          <a:p>
+            <a:pPr algn="ctr"/>
+            <a:r>
+              <a:rPr lang="en-US" dirty="0" smtClean="0"/>
+              <a:t>Logo</a:t>
+            </a:r>
+          </a:p>
+        </p:txBody>
+      </p:sp>
+      <p:sp>
+        <p:nvSpPr>
+          <p:cNvPr id="6" name="Rectangle 5"/>
+          <p:cNvSpPr/>
+          <p:nvPr/>
+        </p:nvSpPr>
+        <p:spPr>
+          <a:xfrm>
+            <a:off x="1134684" y="665018"/>
+            <a:ext cx="955700" cy="4680068"/>
+          </a:xfrm>
+          <a:prstGeom prst="rect">
+            <a:avLst/>
+          </a:prstGeom>
+        </p:spPr>
+        <p:style>
+          <a:lnRef idx="2">
+            <a:schemeClr val="accent1">
+              <a:shade val="50000"/>
+            </a:schemeClr>
+          </a:lnRef>
+          <a:fillRef idx="1">
+            <a:schemeClr val="accent1"/>
+          </a:fillRef>
+          <a:effectRef idx="0">
+            <a:schemeClr val="accent1"/>
+          </a:effectRef>
+          <a:fontRef idx="minor">
+            <a:schemeClr val="lt1"/>
+          </a:fontRef>
+        </p:style>
+        <p:txBody>
+          <a:bodyPr rtlCol="0" anchor="ctr"/>
+          <a:lstStyle/>
+          <a:p>
+            <a:pPr algn="ctr"/>
+            <a:r>
+              <a:rPr lang="en-US" dirty="0" err="1" smtClean="0"/>
+              <a:t>Nav</a:t>
+            </a:r>
+            <a:r>
+              <a:rPr lang="en-US" dirty="0" smtClean="0"/>
+              <a:t> button extend on click</a:t>
+            </a:r>
+          </a:p>
+          <a:p>
+            <a:pPr algn="ctr"/>
+            <a:endParaRPr lang="en-US" dirty="0" smtClean="0"/>
+          </a:p>
+        </p:txBody>
+      </p:sp>
+    </p:spTree>
+    <p:extLst>
+      <p:ext uri="{BB962C8B-B14F-4D97-AF65-F5344CB8AC3E}">
+        <p14:creationId xmlns:p14="http://schemas.microsoft.com/office/powerpoint/2010/main" val="396924309"/>
+      </p:ext>
+    </p:extLst>
+  </p:cSld>
+  <p:clrMapOvr>
+    <a:masterClrMapping/>
+  </p:clrMapOvr>
+</p:sld>
+</file>
+
 <file path=ppt/theme/theme1.xml><?xml version="1.0" encoding="utf-8"?>
 <a:theme xmlns:a="http://schemas.openxmlformats.org/drawingml/2006/main" name="Office Theme">
   <a:themeElements>
